--- a/ppt 16-9/0819.无我惟主.pptx
+++ b/ppt 16-9/0819.无我惟主.pptx
@@ -5,7 +5,7 @@
     <p:sldMasterId id="2147483648" r:id="rId1"/>
   </p:sldMasterIdLst>
   <p:sldIdLst>
-    <p:sldId id="2096" r:id="rId2"/>
+    <p:sldId id="2097" r:id="rId2"/>
   </p:sldIdLst>
   <p:sldSz cx="12192000" cy="6858000"/>
   <p:notesSz cx="6858000" cy="9144000"/>
@@ -129,7 +129,7 @@
           <p:cNvPr id="2" name="标题 1">
             <a:extLst>
               <a:ext uri="{FF2B5EF4-FFF2-40B4-BE49-F238E27FC236}">
-                <a16:creationId xmlns:a16="http://schemas.microsoft.com/office/drawing/2014/main" id="{4AD0AC93-ACF2-E5DC-5DD8-AEFE3C41373D}"/>
+                <a16:creationId xmlns:a16="http://schemas.microsoft.com/office/drawing/2014/main" id="{4C4BB813-71FA-A718-CE00-6CEB6DE53BB8}"/>
               </a:ext>
             </a:extLst>
           </p:cNvPr>
@@ -166,7 +166,7 @@
           <p:cNvPr id="3" name="副标题 2">
             <a:extLst>
               <a:ext uri="{FF2B5EF4-FFF2-40B4-BE49-F238E27FC236}">
-                <a16:creationId xmlns:a16="http://schemas.microsoft.com/office/drawing/2014/main" id="{73423667-5E5F-9273-8D1D-C4CA5F70077A}"/>
+                <a16:creationId xmlns:a16="http://schemas.microsoft.com/office/drawing/2014/main" id="{45256465-CF32-EC46-3DB8-91DB3C5240EE}"/>
               </a:ext>
             </a:extLst>
           </p:cNvPr>
@@ -236,7 +236,7 @@
           <p:cNvPr id="4" name="日期占位符 3">
             <a:extLst>
               <a:ext uri="{FF2B5EF4-FFF2-40B4-BE49-F238E27FC236}">
-                <a16:creationId xmlns:a16="http://schemas.microsoft.com/office/drawing/2014/main" id="{3B09FDF0-E17E-09AA-5A90-3D5867216C4A}"/>
+                <a16:creationId xmlns:a16="http://schemas.microsoft.com/office/drawing/2014/main" id="{E38BE0F6-2C92-6EFF-FB1D-0C33B77CB5DD}"/>
               </a:ext>
             </a:extLst>
           </p:cNvPr>
@@ -252,7 +252,7 @@
           <a:bodyPr/>
           <a:lstStyle/>
           <a:p>
-            <a:fld id="{38C0EFBA-B413-4E6F-B888-A61DC01E95B3}" type="datetimeFigureOut">
+            <a:fld id="{1618A250-31CA-4679-8FC0-E0D82ECDB799}" type="datetimeFigureOut">
               <a:rPr lang="zh-CN" altLang="en-US" smtClean="0"/>
               <a:t>2024/3/10</a:t>
             </a:fld>
@@ -265,7 +265,7 @@
           <p:cNvPr id="5" name="页脚占位符 4">
             <a:extLst>
               <a:ext uri="{FF2B5EF4-FFF2-40B4-BE49-F238E27FC236}">
-                <a16:creationId xmlns:a16="http://schemas.microsoft.com/office/drawing/2014/main" id="{17B969A4-3F52-620C-7153-C856F05CFA22}"/>
+                <a16:creationId xmlns:a16="http://schemas.microsoft.com/office/drawing/2014/main" id="{CC12A061-C5B2-DBF4-878A-182AC7493380}"/>
               </a:ext>
             </a:extLst>
           </p:cNvPr>
@@ -290,7 +290,7 @@
           <p:cNvPr id="6" name="灯片编号占位符 5">
             <a:extLst>
               <a:ext uri="{FF2B5EF4-FFF2-40B4-BE49-F238E27FC236}">
-                <a16:creationId xmlns:a16="http://schemas.microsoft.com/office/drawing/2014/main" id="{5073DF5C-0251-792F-0752-6A898C18C4D7}"/>
+                <a16:creationId xmlns:a16="http://schemas.microsoft.com/office/drawing/2014/main" id="{0D140EFB-0B8E-222F-DF9A-29E8AC74B5B9}"/>
               </a:ext>
             </a:extLst>
           </p:cNvPr>
@@ -306,7 +306,7 @@
           <a:bodyPr/>
           <a:lstStyle/>
           <a:p>
-            <a:fld id="{E0C9F5F1-C57C-4809-9D9B-4BF678DAC59D}" type="slidenum">
+            <a:fld id="{60C96D0C-D41C-4382-82FF-6BE7B32695F2}" type="slidenum">
               <a:rPr lang="zh-CN" altLang="en-US" smtClean="0"/>
               <a:t>‹#›</a:t>
             </a:fld>
@@ -317,7 +317,7 @@
     </p:spTree>
     <p:extLst>
       <p:ext uri="{BB962C8B-B14F-4D97-AF65-F5344CB8AC3E}">
-        <p14:creationId xmlns:p14="http://schemas.microsoft.com/office/powerpoint/2010/main" val="3495566305"/>
+        <p14:creationId xmlns:p14="http://schemas.microsoft.com/office/powerpoint/2010/main" val="706023918"/>
       </p:ext>
     </p:extLst>
   </p:cSld>
@@ -349,7 +349,7 @@
           <p:cNvPr id="2" name="标题 1">
             <a:extLst>
               <a:ext uri="{FF2B5EF4-FFF2-40B4-BE49-F238E27FC236}">
-                <a16:creationId xmlns:a16="http://schemas.microsoft.com/office/drawing/2014/main" id="{DE3B8D37-EF2D-C14A-B943-346BADA6793B}"/>
+                <a16:creationId xmlns:a16="http://schemas.microsoft.com/office/drawing/2014/main" id="{E5391C74-E02D-9795-A886-B0C1F64D71F0}"/>
               </a:ext>
             </a:extLst>
           </p:cNvPr>
@@ -377,7 +377,7 @@
           <p:cNvPr id="3" name="竖排文字占位符 2">
             <a:extLst>
               <a:ext uri="{FF2B5EF4-FFF2-40B4-BE49-F238E27FC236}">
-                <a16:creationId xmlns:a16="http://schemas.microsoft.com/office/drawing/2014/main" id="{651BF567-C86D-DBCF-3B62-572031A20B24}"/>
+                <a16:creationId xmlns:a16="http://schemas.microsoft.com/office/drawing/2014/main" id="{6516252F-B538-C5B5-C458-B7C9A867B5A4}"/>
               </a:ext>
             </a:extLst>
           </p:cNvPr>
@@ -434,7 +434,7 @@
           <p:cNvPr id="4" name="日期占位符 3">
             <a:extLst>
               <a:ext uri="{FF2B5EF4-FFF2-40B4-BE49-F238E27FC236}">
-                <a16:creationId xmlns:a16="http://schemas.microsoft.com/office/drawing/2014/main" id="{55FF8BC9-7974-7D7A-3E60-092AA67DF337}"/>
+                <a16:creationId xmlns:a16="http://schemas.microsoft.com/office/drawing/2014/main" id="{E8CA8CDE-D201-E72E-F0F6-2CCE21F03290}"/>
               </a:ext>
             </a:extLst>
           </p:cNvPr>
@@ -450,7 +450,7 @@
           <a:bodyPr/>
           <a:lstStyle/>
           <a:p>
-            <a:fld id="{38C0EFBA-B413-4E6F-B888-A61DC01E95B3}" type="datetimeFigureOut">
+            <a:fld id="{1618A250-31CA-4679-8FC0-E0D82ECDB799}" type="datetimeFigureOut">
               <a:rPr lang="zh-CN" altLang="en-US" smtClean="0"/>
               <a:t>2024/3/10</a:t>
             </a:fld>
@@ -463,7 +463,7 @@
           <p:cNvPr id="5" name="页脚占位符 4">
             <a:extLst>
               <a:ext uri="{FF2B5EF4-FFF2-40B4-BE49-F238E27FC236}">
-                <a16:creationId xmlns:a16="http://schemas.microsoft.com/office/drawing/2014/main" id="{85EFEB19-AB3F-5CAA-CC80-CB11B346B330}"/>
+                <a16:creationId xmlns:a16="http://schemas.microsoft.com/office/drawing/2014/main" id="{F766CF2C-B2E8-E58D-BAEC-0949570446AB}"/>
               </a:ext>
             </a:extLst>
           </p:cNvPr>
@@ -488,7 +488,7 @@
           <p:cNvPr id="6" name="灯片编号占位符 5">
             <a:extLst>
               <a:ext uri="{FF2B5EF4-FFF2-40B4-BE49-F238E27FC236}">
-                <a16:creationId xmlns:a16="http://schemas.microsoft.com/office/drawing/2014/main" id="{C55D7939-7983-9FC2-4BC7-0D102D0B81FC}"/>
+                <a16:creationId xmlns:a16="http://schemas.microsoft.com/office/drawing/2014/main" id="{BECE7210-312A-DE62-AF1B-BC8C86D448C5}"/>
               </a:ext>
             </a:extLst>
           </p:cNvPr>
@@ -504,7 +504,7 @@
           <a:bodyPr/>
           <a:lstStyle/>
           <a:p>
-            <a:fld id="{E0C9F5F1-C57C-4809-9D9B-4BF678DAC59D}" type="slidenum">
+            <a:fld id="{60C96D0C-D41C-4382-82FF-6BE7B32695F2}" type="slidenum">
               <a:rPr lang="zh-CN" altLang="en-US" smtClean="0"/>
               <a:t>‹#›</a:t>
             </a:fld>
@@ -515,7 +515,7 @@
     </p:spTree>
     <p:extLst>
       <p:ext uri="{BB962C8B-B14F-4D97-AF65-F5344CB8AC3E}">
-        <p14:creationId xmlns:p14="http://schemas.microsoft.com/office/powerpoint/2010/main" val="887461094"/>
+        <p14:creationId xmlns:p14="http://schemas.microsoft.com/office/powerpoint/2010/main" val="3834069630"/>
       </p:ext>
     </p:extLst>
   </p:cSld>
@@ -547,7 +547,7 @@
           <p:cNvPr id="2" name="竖排标题 1">
             <a:extLst>
               <a:ext uri="{FF2B5EF4-FFF2-40B4-BE49-F238E27FC236}">
-                <a16:creationId xmlns:a16="http://schemas.microsoft.com/office/drawing/2014/main" id="{4C3AC1E4-B460-36E5-0DC0-320EC1DD2923}"/>
+                <a16:creationId xmlns:a16="http://schemas.microsoft.com/office/drawing/2014/main" id="{E4AE39DF-5D70-7569-F0C0-B59AEBAE13A5}"/>
               </a:ext>
             </a:extLst>
           </p:cNvPr>
@@ -580,7 +580,7 @@
           <p:cNvPr id="3" name="竖排文字占位符 2">
             <a:extLst>
               <a:ext uri="{FF2B5EF4-FFF2-40B4-BE49-F238E27FC236}">
-                <a16:creationId xmlns:a16="http://schemas.microsoft.com/office/drawing/2014/main" id="{94097BF2-6508-F05B-1C7D-6708B38811A3}"/>
+                <a16:creationId xmlns:a16="http://schemas.microsoft.com/office/drawing/2014/main" id="{8222357D-E103-B52C-6C5C-C2DB11F403A6}"/>
               </a:ext>
             </a:extLst>
           </p:cNvPr>
@@ -642,7 +642,7 @@
           <p:cNvPr id="4" name="日期占位符 3">
             <a:extLst>
               <a:ext uri="{FF2B5EF4-FFF2-40B4-BE49-F238E27FC236}">
-                <a16:creationId xmlns:a16="http://schemas.microsoft.com/office/drawing/2014/main" id="{4B1446D2-4074-AF36-437B-5FE1E5FE5204}"/>
+                <a16:creationId xmlns:a16="http://schemas.microsoft.com/office/drawing/2014/main" id="{47D302F6-4D61-D9D1-A043-BAAAE0F26A4D}"/>
               </a:ext>
             </a:extLst>
           </p:cNvPr>
@@ -658,7 +658,7 @@
           <a:bodyPr/>
           <a:lstStyle/>
           <a:p>
-            <a:fld id="{38C0EFBA-B413-4E6F-B888-A61DC01E95B3}" type="datetimeFigureOut">
+            <a:fld id="{1618A250-31CA-4679-8FC0-E0D82ECDB799}" type="datetimeFigureOut">
               <a:rPr lang="zh-CN" altLang="en-US" smtClean="0"/>
               <a:t>2024/3/10</a:t>
             </a:fld>
@@ -671,7 +671,7 @@
           <p:cNvPr id="5" name="页脚占位符 4">
             <a:extLst>
               <a:ext uri="{FF2B5EF4-FFF2-40B4-BE49-F238E27FC236}">
-                <a16:creationId xmlns:a16="http://schemas.microsoft.com/office/drawing/2014/main" id="{93ADF6B0-793B-70D5-04A5-5E78712727B8}"/>
+                <a16:creationId xmlns:a16="http://schemas.microsoft.com/office/drawing/2014/main" id="{4759FDDA-BC4C-52A2-3C93-7F482226EA76}"/>
               </a:ext>
             </a:extLst>
           </p:cNvPr>
@@ -696,7 +696,7 @@
           <p:cNvPr id="6" name="灯片编号占位符 5">
             <a:extLst>
               <a:ext uri="{FF2B5EF4-FFF2-40B4-BE49-F238E27FC236}">
-                <a16:creationId xmlns:a16="http://schemas.microsoft.com/office/drawing/2014/main" id="{DB5D0450-D1C2-49C2-2509-D560A54C6E26}"/>
+                <a16:creationId xmlns:a16="http://schemas.microsoft.com/office/drawing/2014/main" id="{A2324C23-ED59-CF76-EB9F-FA7A143B1918}"/>
               </a:ext>
             </a:extLst>
           </p:cNvPr>
@@ -712,7 +712,7 @@
           <a:bodyPr/>
           <a:lstStyle/>
           <a:p>
-            <a:fld id="{E0C9F5F1-C57C-4809-9D9B-4BF678DAC59D}" type="slidenum">
+            <a:fld id="{60C96D0C-D41C-4382-82FF-6BE7B32695F2}" type="slidenum">
               <a:rPr lang="zh-CN" altLang="en-US" smtClean="0"/>
               <a:t>‹#›</a:t>
             </a:fld>
@@ -723,7 +723,7 @@
     </p:spTree>
     <p:extLst>
       <p:ext uri="{BB962C8B-B14F-4D97-AF65-F5344CB8AC3E}">
-        <p14:creationId xmlns:p14="http://schemas.microsoft.com/office/powerpoint/2010/main" val="940681577"/>
+        <p14:creationId xmlns:p14="http://schemas.microsoft.com/office/powerpoint/2010/main" val="1822406487"/>
       </p:ext>
     </p:extLst>
   </p:cSld>
@@ -755,7 +755,7 @@
           <p:cNvPr id="2" name="标题 1">
             <a:extLst>
               <a:ext uri="{FF2B5EF4-FFF2-40B4-BE49-F238E27FC236}">
-                <a16:creationId xmlns:a16="http://schemas.microsoft.com/office/drawing/2014/main" id="{A1E48F13-F7CB-83C9-C2AA-CE59985FCE70}"/>
+                <a16:creationId xmlns:a16="http://schemas.microsoft.com/office/drawing/2014/main" id="{1340A2ED-FFDC-3E0F-7641-3AC94D01496A}"/>
               </a:ext>
             </a:extLst>
           </p:cNvPr>
@@ -783,7 +783,7 @@
           <p:cNvPr id="3" name="内容占位符 2">
             <a:extLst>
               <a:ext uri="{FF2B5EF4-FFF2-40B4-BE49-F238E27FC236}">
-                <a16:creationId xmlns:a16="http://schemas.microsoft.com/office/drawing/2014/main" id="{A121D0FD-A35A-55B4-D8DA-76E4A312AD00}"/>
+                <a16:creationId xmlns:a16="http://schemas.microsoft.com/office/drawing/2014/main" id="{42F90A30-8CAE-CE3E-BD99-0FD7D5DF531D}"/>
               </a:ext>
             </a:extLst>
           </p:cNvPr>
@@ -840,7 +840,7 @@
           <p:cNvPr id="4" name="日期占位符 3">
             <a:extLst>
               <a:ext uri="{FF2B5EF4-FFF2-40B4-BE49-F238E27FC236}">
-                <a16:creationId xmlns:a16="http://schemas.microsoft.com/office/drawing/2014/main" id="{72CE920C-3228-5F3B-B088-B853F1A04C3F}"/>
+                <a16:creationId xmlns:a16="http://schemas.microsoft.com/office/drawing/2014/main" id="{3BD8B8CA-4F51-2B81-4743-5C130D33267B}"/>
               </a:ext>
             </a:extLst>
           </p:cNvPr>
@@ -856,7 +856,7 @@
           <a:bodyPr/>
           <a:lstStyle/>
           <a:p>
-            <a:fld id="{38C0EFBA-B413-4E6F-B888-A61DC01E95B3}" type="datetimeFigureOut">
+            <a:fld id="{1618A250-31CA-4679-8FC0-E0D82ECDB799}" type="datetimeFigureOut">
               <a:rPr lang="zh-CN" altLang="en-US" smtClean="0"/>
               <a:t>2024/3/10</a:t>
             </a:fld>
@@ -869,7 +869,7 @@
           <p:cNvPr id="5" name="页脚占位符 4">
             <a:extLst>
               <a:ext uri="{FF2B5EF4-FFF2-40B4-BE49-F238E27FC236}">
-                <a16:creationId xmlns:a16="http://schemas.microsoft.com/office/drawing/2014/main" id="{27F91608-D3FA-A057-BE57-E10B3DC50426}"/>
+                <a16:creationId xmlns:a16="http://schemas.microsoft.com/office/drawing/2014/main" id="{36DA9C55-3667-FD3D-E65C-2A87E57CAE26}"/>
               </a:ext>
             </a:extLst>
           </p:cNvPr>
@@ -894,7 +894,7 @@
           <p:cNvPr id="6" name="灯片编号占位符 5">
             <a:extLst>
               <a:ext uri="{FF2B5EF4-FFF2-40B4-BE49-F238E27FC236}">
-                <a16:creationId xmlns:a16="http://schemas.microsoft.com/office/drawing/2014/main" id="{7265B138-2C91-578A-0497-D39490FF597F}"/>
+                <a16:creationId xmlns:a16="http://schemas.microsoft.com/office/drawing/2014/main" id="{1D75D996-7A8E-8B4E-CEE2-DFEEF369A6D4}"/>
               </a:ext>
             </a:extLst>
           </p:cNvPr>
@@ -910,7 +910,7 @@
           <a:bodyPr/>
           <a:lstStyle/>
           <a:p>
-            <a:fld id="{E0C9F5F1-C57C-4809-9D9B-4BF678DAC59D}" type="slidenum">
+            <a:fld id="{60C96D0C-D41C-4382-82FF-6BE7B32695F2}" type="slidenum">
               <a:rPr lang="zh-CN" altLang="en-US" smtClean="0"/>
               <a:t>‹#›</a:t>
             </a:fld>
@@ -921,7 +921,7 @@
     </p:spTree>
     <p:extLst>
       <p:ext uri="{BB962C8B-B14F-4D97-AF65-F5344CB8AC3E}">
-        <p14:creationId xmlns:p14="http://schemas.microsoft.com/office/powerpoint/2010/main" val="2412511180"/>
+        <p14:creationId xmlns:p14="http://schemas.microsoft.com/office/powerpoint/2010/main" val="3947320092"/>
       </p:ext>
     </p:extLst>
   </p:cSld>
@@ -953,7 +953,7 @@
           <p:cNvPr id="2" name="标题 1">
             <a:extLst>
               <a:ext uri="{FF2B5EF4-FFF2-40B4-BE49-F238E27FC236}">
-                <a16:creationId xmlns:a16="http://schemas.microsoft.com/office/drawing/2014/main" id="{4556ABFB-E65B-88BB-88FE-5DD6AAC6B8D3}"/>
+                <a16:creationId xmlns:a16="http://schemas.microsoft.com/office/drawing/2014/main" id="{FA1DF8A8-8480-6105-7403-82616174994E}"/>
               </a:ext>
             </a:extLst>
           </p:cNvPr>
@@ -990,7 +990,7 @@
           <p:cNvPr id="3" name="文本占位符 2">
             <a:extLst>
               <a:ext uri="{FF2B5EF4-FFF2-40B4-BE49-F238E27FC236}">
-                <a16:creationId xmlns:a16="http://schemas.microsoft.com/office/drawing/2014/main" id="{3FB0F590-996A-DA64-3E59-2A4F94BF9A4A}"/>
+                <a16:creationId xmlns:a16="http://schemas.microsoft.com/office/drawing/2014/main" id="{7381BD5E-7E0B-4056-6C0A-B86B32D1F915}"/>
               </a:ext>
             </a:extLst>
           </p:cNvPr>
@@ -1115,7 +1115,7 @@
           <p:cNvPr id="4" name="日期占位符 3">
             <a:extLst>
               <a:ext uri="{FF2B5EF4-FFF2-40B4-BE49-F238E27FC236}">
-                <a16:creationId xmlns:a16="http://schemas.microsoft.com/office/drawing/2014/main" id="{2CECDCD0-096A-EA8D-FEB4-E79B438778B8}"/>
+                <a16:creationId xmlns:a16="http://schemas.microsoft.com/office/drawing/2014/main" id="{49726F93-95DF-ECB6-8357-BAD06BB5A1B9}"/>
               </a:ext>
             </a:extLst>
           </p:cNvPr>
@@ -1131,7 +1131,7 @@
           <a:bodyPr/>
           <a:lstStyle/>
           <a:p>
-            <a:fld id="{38C0EFBA-B413-4E6F-B888-A61DC01E95B3}" type="datetimeFigureOut">
+            <a:fld id="{1618A250-31CA-4679-8FC0-E0D82ECDB799}" type="datetimeFigureOut">
               <a:rPr lang="zh-CN" altLang="en-US" smtClean="0"/>
               <a:t>2024/3/10</a:t>
             </a:fld>
@@ -1144,7 +1144,7 @@
           <p:cNvPr id="5" name="页脚占位符 4">
             <a:extLst>
               <a:ext uri="{FF2B5EF4-FFF2-40B4-BE49-F238E27FC236}">
-                <a16:creationId xmlns:a16="http://schemas.microsoft.com/office/drawing/2014/main" id="{CC46ABD8-2DC0-7A6D-1B2B-07C4072EAFCB}"/>
+                <a16:creationId xmlns:a16="http://schemas.microsoft.com/office/drawing/2014/main" id="{AE6193FC-E7AD-DBB9-AC4A-F5CFF3D7C2E0}"/>
               </a:ext>
             </a:extLst>
           </p:cNvPr>
@@ -1169,7 +1169,7 @@
           <p:cNvPr id="6" name="灯片编号占位符 5">
             <a:extLst>
               <a:ext uri="{FF2B5EF4-FFF2-40B4-BE49-F238E27FC236}">
-                <a16:creationId xmlns:a16="http://schemas.microsoft.com/office/drawing/2014/main" id="{FC71AD0F-0979-ABD0-0D4B-076FDC31A552}"/>
+                <a16:creationId xmlns:a16="http://schemas.microsoft.com/office/drawing/2014/main" id="{E5165463-9577-05BB-8013-B613A463EB88}"/>
               </a:ext>
             </a:extLst>
           </p:cNvPr>
@@ -1185,7 +1185,7 @@
           <a:bodyPr/>
           <a:lstStyle/>
           <a:p>
-            <a:fld id="{E0C9F5F1-C57C-4809-9D9B-4BF678DAC59D}" type="slidenum">
+            <a:fld id="{60C96D0C-D41C-4382-82FF-6BE7B32695F2}" type="slidenum">
               <a:rPr lang="zh-CN" altLang="en-US" smtClean="0"/>
               <a:t>‹#›</a:t>
             </a:fld>
@@ -1196,7 +1196,7 @@
     </p:spTree>
     <p:extLst>
       <p:ext uri="{BB962C8B-B14F-4D97-AF65-F5344CB8AC3E}">
-        <p14:creationId xmlns:p14="http://schemas.microsoft.com/office/powerpoint/2010/main" val="297133934"/>
+        <p14:creationId xmlns:p14="http://schemas.microsoft.com/office/powerpoint/2010/main" val="1999827575"/>
       </p:ext>
     </p:extLst>
   </p:cSld>
@@ -1228,7 +1228,7 @@
           <p:cNvPr id="2" name="标题 1">
             <a:extLst>
               <a:ext uri="{FF2B5EF4-FFF2-40B4-BE49-F238E27FC236}">
-                <a16:creationId xmlns:a16="http://schemas.microsoft.com/office/drawing/2014/main" id="{FC79305F-467B-82F3-ABCD-75D681005158}"/>
+                <a16:creationId xmlns:a16="http://schemas.microsoft.com/office/drawing/2014/main" id="{E53A835C-A0EF-AD0A-38E1-17A6BA917F16}"/>
               </a:ext>
             </a:extLst>
           </p:cNvPr>
@@ -1256,7 +1256,7 @@
           <p:cNvPr id="3" name="内容占位符 2">
             <a:extLst>
               <a:ext uri="{FF2B5EF4-FFF2-40B4-BE49-F238E27FC236}">
-                <a16:creationId xmlns:a16="http://schemas.microsoft.com/office/drawing/2014/main" id="{F754A610-7A94-D1D9-1D51-C3CEB3F362C7}"/>
+                <a16:creationId xmlns:a16="http://schemas.microsoft.com/office/drawing/2014/main" id="{93B3990C-ACD4-9962-3DC0-38753BD1F11A}"/>
               </a:ext>
             </a:extLst>
           </p:cNvPr>
@@ -1318,7 +1318,7 @@
           <p:cNvPr id="4" name="内容占位符 3">
             <a:extLst>
               <a:ext uri="{FF2B5EF4-FFF2-40B4-BE49-F238E27FC236}">
-                <a16:creationId xmlns:a16="http://schemas.microsoft.com/office/drawing/2014/main" id="{82AE0937-73E2-ACB7-44E6-6846935C8513}"/>
+                <a16:creationId xmlns:a16="http://schemas.microsoft.com/office/drawing/2014/main" id="{33F455C2-5C7C-0A62-E84B-2143F81BC4CF}"/>
               </a:ext>
             </a:extLst>
           </p:cNvPr>
@@ -1380,7 +1380,7 @@
           <p:cNvPr id="5" name="日期占位符 4">
             <a:extLst>
               <a:ext uri="{FF2B5EF4-FFF2-40B4-BE49-F238E27FC236}">
-                <a16:creationId xmlns:a16="http://schemas.microsoft.com/office/drawing/2014/main" id="{24EFFCF3-DBDE-4A66-4741-52A54274251B}"/>
+                <a16:creationId xmlns:a16="http://schemas.microsoft.com/office/drawing/2014/main" id="{7C110FB9-3927-0A60-FEC7-40A01159F871}"/>
               </a:ext>
             </a:extLst>
           </p:cNvPr>
@@ -1396,7 +1396,7 @@
           <a:bodyPr/>
           <a:lstStyle/>
           <a:p>
-            <a:fld id="{38C0EFBA-B413-4E6F-B888-A61DC01E95B3}" type="datetimeFigureOut">
+            <a:fld id="{1618A250-31CA-4679-8FC0-E0D82ECDB799}" type="datetimeFigureOut">
               <a:rPr lang="zh-CN" altLang="en-US" smtClean="0"/>
               <a:t>2024/3/10</a:t>
             </a:fld>
@@ -1409,7 +1409,7 @@
           <p:cNvPr id="6" name="页脚占位符 5">
             <a:extLst>
               <a:ext uri="{FF2B5EF4-FFF2-40B4-BE49-F238E27FC236}">
-                <a16:creationId xmlns:a16="http://schemas.microsoft.com/office/drawing/2014/main" id="{AB1B9650-08DD-E7D8-FC1C-491804C35B48}"/>
+                <a16:creationId xmlns:a16="http://schemas.microsoft.com/office/drawing/2014/main" id="{D988F6BD-AB88-DA10-FED0-575FB82DD9F5}"/>
               </a:ext>
             </a:extLst>
           </p:cNvPr>
@@ -1434,7 +1434,7 @@
           <p:cNvPr id="7" name="灯片编号占位符 6">
             <a:extLst>
               <a:ext uri="{FF2B5EF4-FFF2-40B4-BE49-F238E27FC236}">
-                <a16:creationId xmlns:a16="http://schemas.microsoft.com/office/drawing/2014/main" id="{D7E180F1-F671-B8FD-D498-05B90B2C787A}"/>
+                <a16:creationId xmlns:a16="http://schemas.microsoft.com/office/drawing/2014/main" id="{39C41410-6610-BB36-E9A3-85EC89CEE352}"/>
               </a:ext>
             </a:extLst>
           </p:cNvPr>
@@ -1450,7 +1450,7 @@
           <a:bodyPr/>
           <a:lstStyle/>
           <a:p>
-            <a:fld id="{E0C9F5F1-C57C-4809-9D9B-4BF678DAC59D}" type="slidenum">
+            <a:fld id="{60C96D0C-D41C-4382-82FF-6BE7B32695F2}" type="slidenum">
               <a:rPr lang="zh-CN" altLang="en-US" smtClean="0"/>
               <a:t>‹#›</a:t>
             </a:fld>
@@ -1461,7 +1461,7 @@
     </p:spTree>
     <p:extLst>
       <p:ext uri="{BB962C8B-B14F-4D97-AF65-F5344CB8AC3E}">
-        <p14:creationId xmlns:p14="http://schemas.microsoft.com/office/powerpoint/2010/main" val="1626019222"/>
+        <p14:creationId xmlns:p14="http://schemas.microsoft.com/office/powerpoint/2010/main" val="3786296429"/>
       </p:ext>
     </p:extLst>
   </p:cSld>
@@ -1493,7 +1493,7 @@
           <p:cNvPr id="2" name="标题 1">
             <a:extLst>
               <a:ext uri="{FF2B5EF4-FFF2-40B4-BE49-F238E27FC236}">
-                <a16:creationId xmlns:a16="http://schemas.microsoft.com/office/drawing/2014/main" id="{01BF6AE7-0122-481A-DA1F-C70F9D556590}"/>
+                <a16:creationId xmlns:a16="http://schemas.microsoft.com/office/drawing/2014/main" id="{54FC18E9-92CB-C84B-364D-9804833279DE}"/>
               </a:ext>
             </a:extLst>
           </p:cNvPr>
@@ -1526,7 +1526,7 @@
           <p:cNvPr id="3" name="文本占位符 2">
             <a:extLst>
               <a:ext uri="{FF2B5EF4-FFF2-40B4-BE49-F238E27FC236}">
-                <a16:creationId xmlns:a16="http://schemas.microsoft.com/office/drawing/2014/main" id="{8CFF8E45-1CE4-267D-9DD5-3FCD7D42D83D}"/>
+                <a16:creationId xmlns:a16="http://schemas.microsoft.com/office/drawing/2014/main" id="{DC76C61F-DBFC-6BDF-3C2B-F60ADCEBA065}"/>
               </a:ext>
             </a:extLst>
           </p:cNvPr>
@@ -1597,7 +1597,7 @@
           <p:cNvPr id="4" name="内容占位符 3">
             <a:extLst>
               <a:ext uri="{FF2B5EF4-FFF2-40B4-BE49-F238E27FC236}">
-                <a16:creationId xmlns:a16="http://schemas.microsoft.com/office/drawing/2014/main" id="{FCE0D273-CC2D-5662-6650-7AAA1170220A}"/>
+                <a16:creationId xmlns:a16="http://schemas.microsoft.com/office/drawing/2014/main" id="{64570AE2-3340-778E-1B9B-5360AFFFD114}"/>
               </a:ext>
             </a:extLst>
           </p:cNvPr>
@@ -1659,7 +1659,7 @@
           <p:cNvPr id="5" name="文本占位符 4">
             <a:extLst>
               <a:ext uri="{FF2B5EF4-FFF2-40B4-BE49-F238E27FC236}">
-                <a16:creationId xmlns:a16="http://schemas.microsoft.com/office/drawing/2014/main" id="{E24A3658-BD0B-360D-14C4-D30E1508D28D}"/>
+                <a16:creationId xmlns:a16="http://schemas.microsoft.com/office/drawing/2014/main" id="{6C50244E-E84E-B084-BCB7-C03EBACD332E}"/>
               </a:ext>
             </a:extLst>
           </p:cNvPr>
@@ -1730,7 +1730,7 @@
           <p:cNvPr id="6" name="内容占位符 5">
             <a:extLst>
               <a:ext uri="{FF2B5EF4-FFF2-40B4-BE49-F238E27FC236}">
-                <a16:creationId xmlns:a16="http://schemas.microsoft.com/office/drawing/2014/main" id="{7629CC84-30F8-BBFA-78CD-6988EB1C1849}"/>
+                <a16:creationId xmlns:a16="http://schemas.microsoft.com/office/drawing/2014/main" id="{DDDB908E-C109-FA91-201C-88B170A95C56}"/>
               </a:ext>
             </a:extLst>
           </p:cNvPr>
@@ -1792,7 +1792,7 @@
           <p:cNvPr id="7" name="日期占位符 6">
             <a:extLst>
               <a:ext uri="{FF2B5EF4-FFF2-40B4-BE49-F238E27FC236}">
-                <a16:creationId xmlns:a16="http://schemas.microsoft.com/office/drawing/2014/main" id="{7762B678-1B7F-D9D1-0B19-4CAE7716E63C}"/>
+                <a16:creationId xmlns:a16="http://schemas.microsoft.com/office/drawing/2014/main" id="{CBC94DEB-B660-98EF-5BA7-9052EBD2944D}"/>
               </a:ext>
             </a:extLst>
           </p:cNvPr>
@@ -1808,7 +1808,7 @@
           <a:bodyPr/>
           <a:lstStyle/>
           <a:p>
-            <a:fld id="{38C0EFBA-B413-4E6F-B888-A61DC01E95B3}" type="datetimeFigureOut">
+            <a:fld id="{1618A250-31CA-4679-8FC0-E0D82ECDB799}" type="datetimeFigureOut">
               <a:rPr lang="zh-CN" altLang="en-US" smtClean="0"/>
               <a:t>2024/3/10</a:t>
             </a:fld>
@@ -1821,7 +1821,7 @@
           <p:cNvPr id="8" name="页脚占位符 7">
             <a:extLst>
               <a:ext uri="{FF2B5EF4-FFF2-40B4-BE49-F238E27FC236}">
-                <a16:creationId xmlns:a16="http://schemas.microsoft.com/office/drawing/2014/main" id="{0B9C1AC0-9154-0D41-F96F-7041BDA1B461}"/>
+                <a16:creationId xmlns:a16="http://schemas.microsoft.com/office/drawing/2014/main" id="{E53434DA-42BC-F778-8E5C-9DB61F4E127F}"/>
               </a:ext>
             </a:extLst>
           </p:cNvPr>
@@ -1846,7 +1846,7 @@
           <p:cNvPr id="9" name="灯片编号占位符 8">
             <a:extLst>
               <a:ext uri="{FF2B5EF4-FFF2-40B4-BE49-F238E27FC236}">
-                <a16:creationId xmlns:a16="http://schemas.microsoft.com/office/drawing/2014/main" id="{8E02B904-3EF4-F431-5D56-D6694DEDE097}"/>
+                <a16:creationId xmlns:a16="http://schemas.microsoft.com/office/drawing/2014/main" id="{AB3D18F8-91A5-2473-FA5B-911975B13FEE}"/>
               </a:ext>
             </a:extLst>
           </p:cNvPr>
@@ -1862,7 +1862,7 @@
           <a:bodyPr/>
           <a:lstStyle/>
           <a:p>
-            <a:fld id="{E0C9F5F1-C57C-4809-9D9B-4BF678DAC59D}" type="slidenum">
+            <a:fld id="{60C96D0C-D41C-4382-82FF-6BE7B32695F2}" type="slidenum">
               <a:rPr lang="zh-CN" altLang="en-US" smtClean="0"/>
               <a:t>‹#›</a:t>
             </a:fld>
@@ -1873,7 +1873,7 @@
     </p:spTree>
     <p:extLst>
       <p:ext uri="{BB962C8B-B14F-4D97-AF65-F5344CB8AC3E}">
-        <p14:creationId xmlns:p14="http://schemas.microsoft.com/office/powerpoint/2010/main" val="2823312202"/>
+        <p14:creationId xmlns:p14="http://schemas.microsoft.com/office/powerpoint/2010/main" val="3640349859"/>
       </p:ext>
     </p:extLst>
   </p:cSld>
@@ -1905,7 +1905,7 @@
           <p:cNvPr id="2" name="标题 1">
             <a:extLst>
               <a:ext uri="{FF2B5EF4-FFF2-40B4-BE49-F238E27FC236}">
-                <a16:creationId xmlns:a16="http://schemas.microsoft.com/office/drawing/2014/main" id="{143B6E35-BB9D-5827-B1BC-74A2523DFCAB}"/>
+                <a16:creationId xmlns:a16="http://schemas.microsoft.com/office/drawing/2014/main" id="{478863C9-A726-B4D5-A163-68B0912E9E71}"/>
               </a:ext>
             </a:extLst>
           </p:cNvPr>
@@ -1933,7 +1933,7 @@
           <p:cNvPr id="3" name="日期占位符 2">
             <a:extLst>
               <a:ext uri="{FF2B5EF4-FFF2-40B4-BE49-F238E27FC236}">
-                <a16:creationId xmlns:a16="http://schemas.microsoft.com/office/drawing/2014/main" id="{B28DDEA8-DB9B-F6AA-E58E-D61E74753D6C}"/>
+                <a16:creationId xmlns:a16="http://schemas.microsoft.com/office/drawing/2014/main" id="{6CF9725F-E3D9-89B7-BE07-C5F984D62703}"/>
               </a:ext>
             </a:extLst>
           </p:cNvPr>
@@ -1949,7 +1949,7 @@
           <a:bodyPr/>
           <a:lstStyle/>
           <a:p>
-            <a:fld id="{38C0EFBA-B413-4E6F-B888-A61DC01E95B3}" type="datetimeFigureOut">
+            <a:fld id="{1618A250-31CA-4679-8FC0-E0D82ECDB799}" type="datetimeFigureOut">
               <a:rPr lang="zh-CN" altLang="en-US" smtClean="0"/>
               <a:t>2024/3/10</a:t>
             </a:fld>
@@ -1962,7 +1962,7 @@
           <p:cNvPr id="4" name="页脚占位符 3">
             <a:extLst>
               <a:ext uri="{FF2B5EF4-FFF2-40B4-BE49-F238E27FC236}">
-                <a16:creationId xmlns:a16="http://schemas.microsoft.com/office/drawing/2014/main" id="{7DCCAD2A-8DF9-6080-E87B-6BF11CE70FE1}"/>
+                <a16:creationId xmlns:a16="http://schemas.microsoft.com/office/drawing/2014/main" id="{36F09EA7-BA77-210D-878F-707E09165048}"/>
               </a:ext>
             </a:extLst>
           </p:cNvPr>
@@ -1987,7 +1987,7 @@
           <p:cNvPr id="5" name="灯片编号占位符 4">
             <a:extLst>
               <a:ext uri="{FF2B5EF4-FFF2-40B4-BE49-F238E27FC236}">
-                <a16:creationId xmlns:a16="http://schemas.microsoft.com/office/drawing/2014/main" id="{174A89D3-AF3A-E616-603B-29C7F72D413B}"/>
+                <a16:creationId xmlns:a16="http://schemas.microsoft.com/office/drawing/2014/main" id="{9D4AED94-AC8F-BFF7-411B-6555B40263D6}"/>
               </a:ext>
             </a:extLst>
           </p:cNvPr>
@@ -2003,7 +2003,7 @@
           <a:bodyPr/>
           <a:lstStyle/>
           <a:p>
-            <a:fld id="{E0C9F5F1-C57C-4809-9D9B-4BF678DAC59D}" type="slidenum">
+            <a:fld id="{60C96D0C-D41C-4382-82FF-6BE7B32695F2}" type="slidenum">
               <a:rPr lang="zh-CN" altLang="en-US" smtClean="0"/>
               <a:t>‹#›</a:t>
             </a:fld>
@@ -2014,7 +2014,7 @@
     </p:spTree>
     <p:extLst>
       <p:ext uri="{BB962C8B-B14F-4D97-AF65-F5344CB8AC3E}">
-        <p14:creationId xmlns:p14="http://schemas.microsoft.com/office/powerpoint/2010/main" val="624755039"/>
+        <p14:creationId xmlns:p14="http://schemas.microsoft.com/office/powerpoint/2010/main" val="482791986"/>
       </p:ext>
     </p:extLst>
   </p:cSld>
@@ -2046,7 +2046,7 @@
           <p:cNvPr id="2" name="日期占位符 1">
             <a:extLst>
               <a:ext uri="{FF2B5EF4-FFF2-40B4-BE49-F238E27FC236}">
-                <a16:creationId xmlns:a16="http://schemas.microsoft.com/office/drawing/2014/main" id="{B840D06E-B6EE-2A2F-4826-28FC7C0F389C}"/>
+                <a16:creationId xmlns:a16="http://schemas.microsoft.com/office/drawing/2014/main" id="{7E8BCEC7-4FFF-5C50-F04F-476EC02948D4}"/>
               </a:ext>
             </a:extLst>
           </p:cNvPr>
@@ -2062,7 +2062,7 @@
           <a:bodyPr/>
           <a:lstStyle/>
           <a:p>
-            <a:fld id="{38C0EFBA-B413-4E6F-B888-A61DC01E95B3}" type="datetimeFigureOut">
+            <a:fld id="{1618A250-31CA-4679-8FC0-E0D82ECDB799}" type="datetimeFigureOut">
               <a:rPr lang="zh-CN" altLang="en-US" smtClean="0"/>
               <a:t>2024/3/10</a:t>
             </a:fld>
@@ -2075,7 +2075,7 @@
           <p:cNvPr id="3" name="页脚占位符 2">
             <a:extLst>
               <a:ext uri="{FF2B5EF4-FFF2-40B4-BE49-F238E27FC236}">
-                <a16:creationId xmlns:a16="http://schemas.microsoft.com/office/drawing/2014/main" id="{4EBDED67-1171-35B6-A757-89DBF5440EB5}"/>
+                <a16:creationId xmlns:a16="http://schemas.microsoft.com/office/drawing/2014/main" id="{7C3F8297-D0C6-8CD3-1CEC-386952ABAF76}"/>
               </a:ext>
             </a:extLst>
           </p:cNvPr>
@@ -2100,7 +2100,7 @@
           <p:cNvPr id="4" name="灯片编号占位符 3">
             <a:extLst>
               <a:ext uri="{FF2B5EF4-FFF2-40B4-BE49-F238E27FC236}">
-                <a16:creationId xmlns:a16="http://schemas.microsoft.com/office/drawing/2014/main" id="{C14F4BE9-168A-7725-4CE3-066546CF4F87}"/>
+                <a16:creationId xmlns:a16="http://schemas.microsoft.com/office/drawing/2014/main" id="{2A980219-763E-05EB-736B-F784686D4410}"/>
               </a:ext>
             </a:extLst>
           </p:cNvPr>
@@ -2116,7 +2116,7 @@
           <a:bodyPr/>
           <a:lstStyle/>
           <a:p>
-            <a:fld id="{E0C9F5F1-C57C-4809-9D9B-4BF678DAC59D}" type="slidenum">
+            <a:fld id="{60C96D0C-D41C-4382-82FF-6BE7B32695F2}" type="slidenum">
               <a:rPr lang="zh-CN" altLang="en-US" smtClean="0"/>
               <a:t>‹#›</a:t>
             </a:fld>
@@ -2127,7 +2127,7 @@
     </p:spTree>
     <p:extLst>
       <p:ext uri="{BB962C8B-B14F-4D97-AF65-F5344CB8AC3E}">
-        <p14:creationId xmlns:p14="http://schemas.microsoft.com/office/powerpoint/2010/main" val="151641597"/>
+        <p14:creationId xmlns:p14="http://schemas.microsoft.com/office/powerpoint/2010/main" val="4012082692"/>
       </p:ext>
     </p:extLst>
   </p:cSld>
@@ -2159,7 +2159,7 @@
           <p:cNvPr id="2" name="标题 1">
             <a:extLst>
               <a:ext uri="{FF2B5EF4-FFF2-40B4-BE49-F238E27FC236}">
-                <a16:creationId xmlns:a16="http://schemas.microsoft.com/office/drawing/2014/main" id="{C1A50DAB-90F9-C08C-9796-6695EBAA99F2}"/>
+                <a16:creationId xmlns:a16="http://schemas.microsoft.com/office/drawing/2014/main" id="{BF1B6AC7-EF24-CB65-3F79-A6A1FA87BF00}"/>
               </a:ext>
             </a:extLst>
           </p:cNvPr>
@@ -2196,7 +2196,7 @@
           <p:cNvPr id="3" name="内容占位符 2">
             <a:extLst>
               <a:ext uri="{FF2B5EF4-FFF2-40B4-BE49-F238E27FC236}">
-                <a16:creationId xmlns:a16="http://schemas.microsoft.com/office/drawing/2014/main" id="{183AA94C-4D04-92CB-FE0F-EBDC26D5A103}"/>
+                <a16:creationId xmlns:a16="http://schemas.microsoft.com/office/drawing/2014/main" id="{85924EA9-2247-4D51-CD80-0D8767AC9DF1}"/>
               </a:ext>
             </a:extLst>
           </p:cNvPr>
@@ -2286,7 +2286,7 @@
           <p:cNvPr id="4" name="文本占位符 3">
             <a:extLst>
               <a:ext uri="{FF2B5EF4-FFF2-40B4-BE49-F238E27FC236}">
-                <a16:creationId xmlns:a16="http://schemas.microsoft.com/office/drawing/2014/main" id="{031781AF-62A1-13B4-6E48-599892C2DEA7}"/>
+                <a16:creationId xmlns:a16="http://schemas.microsoft.com/office/drawing/2014/main" id="{5C44132A-9D93-47D3-B2F3-BEEB9290B4F3}"/>
               </a:ext>
             </a:extLst>
           </p:cNvPr>
@@ -2357,7 +2357,7 @@
           <p:cNvPr id="5" name="日期占位符 4">
             <a:extLst>
               <a:ext uri="{FF2B5EF4-FFF2-40B4-BE49-F238E27FC236}">
-                <a16:creationId xmlns:a16="http://schemas.microsoft.com/office/drawing/2014/main" id="{00129EA2-F781-0034-99ED-D5995C177F7F}"/>
+                <a16:creationId xmlns:a16="http://schemas.microsoft.com/office/drawing/2014/main" id="{5D51C964-95C7-2B0B-C63F-93CEC6B770CC}"/>
               </a:ext>
             </a:extLst>
           </p:cNvPr>
@@ -2373,7 +2373,7 @@
           <a:bodyPr/>
           <a:lstStyle/>
           <a:p>
-            <a:fld id="{38C0EFBA-B413-4E6F-B888-A61DC01E95B3}" type="datetimeFigureOut">
+            <a:fld id="{1618A250-31CA-4679-8FC0-E0D82ECDB799}" type="datetimeFigureOut">
               <a:rPr lang="zh-CN" altLang="en-US" smtClean="0"/>
               <a:t>2024/3/10</a:t>
             </a:fld>
@@ -2386,7 +2386,7 @@
           <p:cNvPr id="6" name="页脚占位符 5">
             <a:extLst>
               <a:ext uri="{FF2B5EF4-FFF2-40B4-BE49-F238E27FC236}">
-                <a16:creationId xmlns:a16="http://schemas.microsoft.com/office/drawing/2014/main" id="{1218A5BE-09FC-4B00-DF74-C6DFC9780D28}"/>
+                <a16:creationId xmlns:a16="http://schemas.microsoft.com/office/drawing/2014/main" id="{05D7EC85-CC5D-08E3-5B7F-A107A44CE7C4}"/>
               </a:ext>
             </a:extLst>
           </p:cNvPr>
@@ -2411,7 +2411,7 @@
           <p:cNvPr id="7" name="灯片编号占位符 6">
             <a:extLst>
               <a:ext uri="{FF2B5EF4-FFF2-40B4-BE49-F238E27FC236}">
-                <a16:creationId xmlns:a16="http://schemas.microsoft.com/office/drawing/2014/main" id="{2AB41B57-4BA4-49D6-E8E1-16F24F13E2FE}"/>
+                <a16:creationId xmlns:a16="http://schemas.microsoft.com/office/drawing/2014/main" id="{AC8967A3-644A-412B-6764-D7D04D27C7F7}"/>
               </a:ext>
             </a:extLst>
           </p:cNvPr>
@@ -2427,7 +2427,7 @@
           <a:bodyPr/>
           <a:lstStyle/>
           <a:p>
-            <a:fld id="{E0C9F5F1-C57C-4809-9D9B-4BF678DAC59D}" type="slidenum">
+            <a:fld id="{60C96D0C-D41C-4382-82FF-6BE7B32695F2}" type="slidenum">
               <a:rPr lang="zh-CN" altLang="en-US" smtClean="0"/>
               <a:t>‹#›</a:t>
             </a:fld>
@@ -2438,7 +2438,7 @@
     </p:spTree>
     <p:extLst>
       <p:ext uri="{BB962C8B-B14F-4D97-AF65-F5344CB8AC3E}">
-        <p14:creationId xmlns:p14="http://schemas.microsoft.com/office/powerpoint/2010/main" val="3174846898"/>
+        <p14:creationId xmlns:p14="http://schemas.microsoft.com/office/powerpoint/2010/main" val="3143421926"/>
       </p:ext>
     </p:extLst>
   </p:cSld>
@@ -2470,7 +2470,7 @@
           <p:cNvPr id="2" name="标题 1">
             <a:extLst>
               <a:ext uri="{FF2B5EF4-FFF2-40B4-BE49-F238E27FC236}">
-                <a16:creationId xmlns:a16="http://schemas.microsoft.com/office/drawing/2014/main" id="{60333872-5836-FBE5-285F-EE8718B0C96F}"/>
+                <a16:creationId xmlns:a16="http://schemas.microsoft.com/office/drawing/2014/main" id="{00D17917-481F-9CF9-D126-089569B5E15D}"/>
               </a:ext>
             </a:extLst>
           </p:cNvPr>
@@ -2507,7 +2507,7 @@
           <p:cNvPr id="3" name="图片占位符 2">
             <a:extLst>
               <a:ext uri="{FF2B5EF4-FFF2-40B4-BE49-F238E27FC236}">
-                <a16:creationId xmlns:a16="http://schemas.microsoft.com/office/drawing/2014/main" id="{FF4D4DA1-F5EF-B99B-E633-B64E025D9C5C}"/>
+                <a16:creationId xmlns:a16="http://schemas.microsoft.com/office/drawing/2014/main" id="{5DBD5105-8AAF-2959-71A2-6B7404D35155}"/>
               </a:ext>
             </a:extLst>
           </p:cNvPr>
@@ -2574,7 +2574,7 @@
           <p:cNvPr id="4" name="文本占位符 3">
             <a:extLst>
               <a:ext uri="{FF2B5EF4-FFF2-40B4-BE49-F238E27FC236}">
-                <a16:creationId xmlns:a16="http://schemas.microsoft.com/office/drawing/2014/main" id="{38AD9E14-5179-A5C1-0E2C-AAEA37907DAB}"/>
+                <a16:creationId xmlns:a16="http://schemas.microsoft.com/office/drawing/2014/main" id="{61199257-5172-14B3-B150-E3EB6F974B59}"/>
               </a:ext>
             </a:extLst>
           </p:cNvPr>
@@ -2645,7 +2645,7 @@
           <p:cNvPr id="5" name="日期占位符 4">
             <a:extLst>
               <a:ext uri="{FF2B5EF4-FFF2-40B4-BE49-F238E27FC236}">
-                <a16:creationId xmlns:a16="http://schemas.microsoft.com/office/drawing/2014/main" id="{02EE2E19-C76A-3363-DAFC-F8309F484710}"/>
+                <a16:creationId xmlns:a16="http://schemas.microsoft.com/office/drawing/2014/main" id="{BA83C31D-618E-B41F-F86D-E4F705DEA8D4}"/>
               </a:ext>
             </a:extLst>
           </p:cNvPr>
@@ -2661,7 +2661,7 @@
           <a:bodyPr/>
           <a:lstStyle/>
           <a:p>
-            <a:fld id="{38C0EFBA-B413-4E6F-B888-A61DC01E95B3}" type="datetimeFigureOut">
+            <a:fld id="{1618A250-31CA-4679-8FC0-E0D82ECDB799}" type="datetimeFigureOut">
               <a:rPr lang="zh-CN" altLang="en-US" smtClean="0"/>
               <a:t>2024/3/10</a:t>
             </a:fld>
@@ -2674,7 +2674,7 @@
           <p:cNvPr id="6" name="页脚占位符 5">
             <a:extLst>
               <a:ext uri="{FF2B5EF4-FFF2-40B4-BE49-F238E27FC236}">
-                <a16:creationId xmlns:a16="http://schemas.microsoft.com/office/drawing/2014/main" id="{8A887C78-C5E2-A004-0B34-9BF6D4205B8A}"/>
+                <a16:creationId xmlns:a16="http://schemas.microsoft.com/office/drawing/2014/main" id="{E1E8D3C9-CA03-52C1-BDAE-DCC973D3C95C}"/>
               </a:ext>
             </a:extLst>
           </p:cNvPr>
@@ -2699,7 +2699,7 @@
           <p:cNvPr id="7" name="灯片编号占位符 6">
             <a:extLst>
               <a:ext uri="{FF2B5EF4-FFF2-40B4-BE49-F238E27FC236}">
-                <a16:creationId xmlns:a16="http://schemas.microsoft.com/office/drawing/2014/main" id="{2CEB7874-AC74-6532-A672-17D49852B5EC}"/>
+                <a16:creationId xmlns:a16="http://schemas.microsoft.com/office/drawing/2014/main" id="{B91603E5-4A9D-3C44-6D0E-5BF2FB4DFE25}"/>
               </a:ext>
             </a:extLst>
           </p:cNvPr>
@@ -2715,7 +2715,7 @@
           <a:bodyPr/>
           <a:lstStyle/>
           <a:p>
-            <a:fld id="{E0C9F5F1-C57C-4809-9D9B-4BF678DAC59D}" type="slidenum">
+            <a:fld id="{60C96D0C-D41C-4382-82FF-6BE7B32695F2}" type="slidenum">
               <a:rPr lang="zh-CN" altLang="en-US" smtClean="0"/>
               <a:t>‹#›</a:t>
             </a:fld>
@@ -2726,7 +2726,7 @@
     </p:spTree>
     <p:extLst>
       <p:ext uri="{BB962C8B-B14F-4D97-AF65-F5344CB8AC3E}">
-        <p14:creationId xmlns:p14="http://schemas.microsoft.com/office/powerpoint/2010/main" val="1127172772"/>
+        <p14:creationId xmlns:p14="http://schemas.microsoft.com/office/powerpoint/2010/main" val="3695394648"/>
       </p:ext>
     </p:extLst>
   </p:cSld>
@@ -2763,7 +2763,7 @@
           <p:cNvPr id="2" name="标题占位符 1">
             <a:extLst>
               <a:ext uri="{FF2B5EF4-FFF2-40B4-BE49-F238E27FC236}">
-                <a16:creationId xmlns:a16="http://schemas.microsoft.com/office/drawing/2014/main" id="{7752E369-61DD-1957-560E-3714904134C2}"/>
+                <a16:creationId xmlns:a16="http://schemas.microsoft.com/office/drawing/2014/main" id="{9B759750-17D7-DFF1-3E7E-BA33C5A2FB7D}"/>
               </a:ext>
             </a:extLst>
           </p:cNvPr>
@@ -2801,7 +2801,7 @@
           <p:cNvPr id="3" name="文本占位符 2">
             <a:extLst>
               <a:ext uri="{FF2B5EF4-FFF2-40B4-BE49-F238E27FC236}">
-                <a16:creationId xmlns:a16="http://schemas.microsoft.com/office/drawing/2014/main" id="{58E545D7-4902-BDFE-4DE6-A2CCAEE7660A}"/>
+                <a16:creationId xmlns:a16="http://schemas.microsoft.com/office/drawing/2014/main" id="{1A1CBCDD-37DB-3EDE-F606-07379E9376FE}"/>
               </a:ext>
             </a:extLst>
           </p:cNvPr>
@@ -2868,7 +2868,7 @@
           <p:cNvPr id="4" name="日期占位符 3">
             <a:extLst>
               <a:ext uri="{FF2B5EF4-FFF2-40B4-BE49-F238E27FC236}">
-                <a16:creationId xmlns:a16="http://schemas.microsoft.com/office/drawing/2014/main" id="{90845AEB-7B26-C838-B279-392A1F445137}"/>
+                <a16:creationId xmlns:a16="http://schemas.microsoft.com/office/drawing/2014/main" id="{DAA28290-87C6-5B6E-DAC6-5077F405AA4A}"/>
               </a:ext>
             </a:extLst>
           </p:cNvPr>
@@ -2902,7 +2902,7 @@
             </a:lvl1pPr>
           </a:lstStyle>
           <a:p>
-            <a:fld id="{38C0EFBA-B413-4E6F-B888-A61DC01E95B3}" type="datetimeFigureOut">
+            <a:fld id="{1618A250-31CA-4679-8FC0-E0D82ECDB799}" type="datetimeFigureOut">
               <a:rPr lang="zh-CN" altLang="en-US" smtClean="0"/>
               <a:t>2024/3/10</a:t>
             </a:fld>
@@ -2915,7 +2915,7 @@
           <p:cNvPr id="5" name="页脚占位符 4">
             <a:extLst>
               <a:ext uri="{FF2B5EF4-FFF2-40B4-BE49-F238E27FC236}">
-                <a16:creationId xmlns:a16="http://schemas.microsoft.com/office/drawing/2014/main" id="{02BA6A71-E7DD-2C46-0667-5B8B28EFB466}"/>
+                <a16:creationId xmlns:a16="http://schemas.microsoft.com/office/drawing/2014/main" id="{7BA9F3A5-B80C-5B7A-244D-D8A154093F10}"/>
               </a:ext>
             </a:extLst>
           </p:cNvPr>
@@ -2958,7 +2958,7 @@
           <p:cNvPr id="6" name="灯片编号占位符 5">
             <a:extLst>
               <a:ext uri="{FF2B5EF4-FFF2-40B4-BE49-F238E27FC236}">
-                <a16:creationId xmlns:a16="http://schemas.microsoft.com/office/drawing/2014/main" id="{AC1F6608-E7E9-7C0A-4EC9-11EC63CCC38A}"/>
+                <a16:creationId xmlns:a16="http://schemas.microsoft.com/office/drawing/2014/main" id="{B83172F1-5BDA-3390-3E50-369BF2C4CB6A}"/>
               </a:ext>
             </a:extLst>
           </p:cNvPr>
@@ -2992,7 +2992,7 @@
             </a:lvl1pPr>
           </a:lstStyle>
           <a:p>
-            <a:fld id="{E0C9F5F1-C57C-4809-9D9B-4BF678DAC59D}" type="slidenum">
+            <a:fld id="{60C96D0C-D41C-4382-82FF-6BE7B32695F2}" type="slidenum">
               <a:rPr lang="zh-CN" altLang="en-US" smtClean="0"/>
               <a:t>‹#›</a:t>
             </a:fld>
@@ -3003,7 +3003,7 @@
     </p:spTree>
     <p:extLst>
       <p:ext uri="{BB962C8B-B14F-4D97-AF65-F5344CB8AC3E}">
-        <p14:creationId xmlns:p14="http://schemas.microsoft.com/office/powerpoint/2010/main" val="3269769189"/>
+        <p14:creationId xmlns:p14="http://schemas.microsoft.com/office/powerpoint/2010/main" val="3876543832"/>
       </p:ext>
     </p:extLst>
   </p:cSld>
@@ -3323,7 +3323,7 @@
       </p:grpSpPr>
       <p:pic>
         <p:nvPicPr>
-          <p:cNvPr id="838658" name="Picture 2" descr="818"/>
+          <p:cNvPr id="839682" name="Picture 2" descr="819"/>
           <p:cNvPicPr>
             <a:picLocks noChangeAspect="1" noChangeArrowheads="1"/>
           </p:cNvPicPr>
@@ -3375,11 +3375,158 @@
           </a:extLst>
         </p:spPr>
       </p:pic>
+      <p:pic>
+        <p:nvPicPr>
+          <p:cNvPr id="840707" name="Picture 3" descr="819-2"/>
+          <p:cNvPicPr>
+            <a:picLocks noChangeAspect="1" noChangeArrowheads="1"/>
+          </p:cNvPicPr>
+          <p:nvPr/>
+        </p:nvPicPr>
+        <p:blipFill>
+          <a:blip r:embed="rId3">
+            <a:extLst>
+              <a:ext uri="{28A0092B-C50C-407E-A947-70E740481C1C}">
+                <a14:useLocalDpi xmlns:a14="http://schemas.microsoft.com/office/drawing/2010/main" val="0"/>
+              </a:ext>
+            </a:extLst>
+          </a:blip>
+          <a:srcRect/>
+          <a:stretch>
+            <a:fillRect/>
+          </a:stretch>
+        </p:blipFill>
+        <p:spPr bwMode="auto">
+          <a:xfrm>
+            <a:off x="1560513" y="0"/>
+            <a:ext cx="9144000" cy="6858000"/>
+          </a:xfrm>
+          <a:prstGeom prst="rect">
+            <a:avLst/>
+          </a:prstGeom>
+          <a:noFill/>
+          <a:ln>
+            <a:noFill/>
+          </a:ln>
+          <a:effectLst/>
+          <a:extLst>
+            <a:ext uri="{909E8E84-426E-40DD-AFC4-6F175D3DCCD1}">
+              <a14:hiddenFill xmlns:a14="http://schemas.microsoft.com/office/drawing/2010/main">
+                <a:solidFill>
+                  <a:srgbClr val="FFFFFF"/>
+                </a:solidFill>
+              </a14:hiddenFill>
+            </a:ext>
+            <a:ext uri="{91240B29-F687-4F45-9708-019B960494DF}">
+              <a14:hiddenLine xmlns:a14="http://schemas.microsoft.com/office/drawing/2010/main" w="9525">
+                <a:solidFill>
+                  <a:srgbClr val="000000"/>
+                </a:solidFill>
+                <a:miter lim="800000"/>
+                <a:headEnd/>
+                <a:tailEnd/>
+              </a14:hiddenLine>
+            </a:ext>
+            <a:ext uri="{AF507438-7753-43E0-B8FC-AC1667EBCBE1}">
+              <a14:hiddenEffects xmlns:a14="http://schemas.microsoft.com/office/drawing/2010/main">
+                <a:effectLst>
+                  <a:outerShdw dist="35921" dir="2700000" algn="ctr" rotWithShape="0">
+                    <a:srgbClr val="808080"/>
+                  </a:outerShdw>
+                </a:effectLst>
+              </a14:hiddenEffects>
+            </a:ext>
+          </a:extLst>
+        </p:spPr>
+      </p:pic>
     </p:spTree>
   </p:cSld>
   <p:clrMapOvr>
     <a:masterClrMapping/>
   </p:clrMapOvr>
+  <p:timing>
+    <p:tnLst>
+      <p:par>
+        <p:cTn id="1" dur="indefinite" restart="never" nodeType="tmRoot">
+          <p:childTnLst>
+            <p:seq concurrent="1" nextAc="seek">
+              <p:cTn id="2" dur="indefinite" nodeType="mainSeq">
+                <p:childTnLst>
+                  <p:par>
+                    <p:cTn id="3" fill="hold" nodeType="clickPar">
+                      <p:stCondLst>
+                        <p:cond delay="indefinite"/>
+                      </p:stCondLst>
+                      <p:childTnLst>
+                        <p:par>
+                          <p:cTn id="4" fill="hold" nodeType="withGroup">
+                            <p:stCondLst>
+                              <p:cond delay="0"/>
+                            </p:stCondLst>
+                            <p:childTnLst>
+                              <p:par>
+                                <p:cTn id="5" presetID="10" presetClass="entr" presetSubtype="0" fill="hold" nodeType="clickEffect">
+                                  <p:stCondLst>
+                                    <p:cond delay="0"/>
+                                  </p:stCondLst>
+                                  <p:childTnLst>
+                                    <p:set>
+                                      <p:cBhvr>
+                                        <p:cTn id="6" dur="1" fill="hold">
+                                          <p:stCondLst>
+                                            <p:cond delay="0"/>
+                                          </p:stCondLst>
+                                        </p:cTn>
+                                        <p:tgtEl>
+                                          <p:spTgt spid="840707"/>
+                                        </p:tgtEl>
+                                        <p:attrNameLst>
+                                          <p:attrName>style.visibility</p:attrName>
+                                        </p:attrNameLst>
+                                      </p:cBhvr>
+                                      <p:to>
+                                        <p:strVal val="visible"/>
+                                      </p:to>
+                                    </p:set>
+                                    <p:animEffect transition="in" filter="fade">
+                                      <p:cBhvr>
+                                        <p:cTn id="7" dur="500"/>
+                                        <p:tgtEl>
+                                          <p:spTgt spid="840707"/>
+                                        </p:tgtEl>
+                                      </p:cBhvr>
+                                    </p:animEffect>
+                                  </p:childTnLst>
+                                </p:cTn>
+                              </p:par>
+                            </p:childTnLst>
+                          </p:cTn>
+                        </p:par>
+                      </p:childTnLst>
+                    </p:cTn>
+                  </p:par>
+                </p:childTnLst>
+              </p:cTn>
+              <p:prevCondLst>
+                <p:cond evt="onPrev" delay="0">
+                  <p:tgtEl>
+                    <p:sldTgt/>
+                  </p:tgtEl>
+                </p:cond>
+              </p:prevCondLst>
+              <p:nextCondLst>
+                <p:cond evt="onNext" delay="0">
+                  <p:tgtEl>
+                    <p:sldTgt/>
+                  </p:tgtEl>
+                </p:cond>
+              </p:nextCondLst>
+            </p:seq>
+          </p:childTnLst>
+        </p:cTn>
+      </p:par>
+    </p:tnLst>
+  </p:timing>
 </p:sld>
 </file>
 
